--- a/test/pptx/incremental-lists/with-flag/deleted-layouts.pptx
+++ b/test/pptx/incremental-lists/with-flag/deleted-layouts.pptx
@@ -3343,23 +3343,7 @@
             </a:pPr>
             <a:r>
               <a:rPr/>
-              <a:t>Slide</a:t>
-            </a:r>
-            <a:r>
-              <a:rPr/>
-              <a:t> </a:t>
-            </a:r>
-            <a:r>
-              <a:rPr/>
-              <a:t>1</a:t>
-            </a:r>
-            <a:r>
-              <a:rPr/>
-              <a:t> </a:t>
-            </a:r>
-            <a:r>
-              <a:rPr/>
-              <a:t>(Content)</a:t>
+              <a:t>Slide 1 (Content)</a:t>
             </a:r>
           </a:p>
         </p:txBody>
@@ -3735,23 +3719,7 @@
             </a:pPr>
             <a:r>
               <a:rPr/>
-              <a:t>Slide</a:t>
-            </a:r>
-            <a:r>
-              <a:rPr/>
-              <a:t> </a:t>
-            </a:r>
-            <a:r>
-              <a:rPr/>
-              <a:t>10</a:t>
-            </a:r>
-            <a:r>
-              <a:rPr/>
-              <a:t> </a:t>
-            </a:r>
-            <a:r>
-              <a:rPr/>
-              <a:t>(Content)</a:t>
+              <a:t>Slide 10 (Content)</a:t>
             </a:r>
           </a:p>
         </p:txBody>
@@ -4071,23 +4039,7 @@
             </a:pPr>
             <a:r>
               <a:rPr/>
-              <a:t>Slide</a:t>
-            </a:r>
-            <a:r>
-              <a:rPr/>
-              <a:t> </a:t>
-            </a:r>
-            <a:r>
-              <a:rPr/>
-              <a:t>11</a:t>
-            </a:r>
-            <a:r>
-              <a:rPr/>
-              <a:t> </a:t>
-            </a:r>
-            <a:r>
-              <a:rPr/>
-              <a:t>(Content)</a:t>
+              <a:t>Slide 11 (Content)</a:t>
             </a:r>
           </a:p>
         </p:txBody>
@@ -4420,23 +4372,7 @@
             </a:pPr>
             <a:r>
               <a:rPr/>
-              <a:t>Slide</a:t>
-            </a:r>
-            <a:r>
-              <a:rPr/>
-              <a:t> </a:t>
-            </a:r>
-            <a:r>
-              <a:rPr/>
-              <a:t>12</a:t>
-            </a:r>
-            <a:r>
-              <a:rPr/>
-              <a:t> </a:t>
-            </a:r>
-            <a:r>
-              <a:rPr/>
-              <a:t>(Content)</a:t>
+              <a:t>Slide 12 (Content)</a:t>
             </a:r>
           </a:p>
         </p:txBody>
@@ -4721,23 +4657,7 @@
             </a:pPr>
             <a:r>
               <a:rPr/>
-              <a:t>Slide</a:t>
-            </a:r>
-            <a:r>
-              <a:rPr/>
-              <a:t> </a:t>
-            </a:r>
-            <a:r>
-              <a:rPr/>
-              <a:t>2</a:t>
-            </a:r>
-            <a:r>
-              <a:rPr/>
-              <a:t> </a:t>
-            </a:r>
-            <a:r>
-              <a:rPr/>
-              <a:t>(Content)</a:t>
+              <a:t>Slide 2 (Content)</a:t>
             </a:r>
           </a:p>
         </p:txBody>
@@ -5001,23 +4921,7 @@
             </a:pPr>
             <a:r>
               <a:rPr/>
-              <a:t>Slide</a:t>
-            </a:r>
-            <a:r>
-              <a:rPr/>
-              <a:t> </a:t>
-            </a:r>
-            <a:r>
-              <a:rPr/>
-              <a:t>3</a:t>
-            </a:r>
-            <a:r>
-              <a:rPr/>
-              <a:t> </a:t>
-            </a:r>
-            <a:r>
-              <a:rPr/>
-              <a:t>(Content)</a:t>
+              <a:t>Slide 3 (Content)</a:t>
             </a:r>
           </a:p>
         </p:txBody>
@@ -5290,23 +5194,7 @@
             </a:pPr>
             <a:r>
               <a:rPr/>
-              <a:t>Slide</a:t>
-            </a:r>
-            <a:r>
-              <a:rPr/>
-              <a:t> </a:t>
-            </a:r>
-            <a:r>
-              <a:rPr/>
-              <a:t>4</a:t>
-            </a:r>
-            <a:r>
-              <a:rPr/>
-              <a:t> </a:t>
-            </a:r>
-            <a:r>
-              <a:rPr/>
-              <a:t>(Content)</a:t>
+              <a:t>Slide 4 (Content)</a:t>
             </a:r>
           </a:p>
         </p:txBody>
@@ -5753,31 +5641,7 @@
             </a:pPr>
             <a:r>
               <a:rPr/>
-              <a:t>Slide</a:t>
-            </a:r>
-            <a:r>
-              <a:rPr/>
-              <a:t> </a:t>
-            </a:r>
-            <a:r>
-              <a:rPr/>
-              <a:t>5</a:t>
-            </a:r>
-            <a:r>
-              <a:rPr/>
-              <a:t> </a:t>
-            </a:r>
-            <a:r>
-              <a:rPr/>
-              <a:t>(Two</a:t>
-            </a:r>
-            <a:r>
-              <a:rPr/>
-              <a:t> </a:t>
-            </a:r>
-            <a:r>
-              <a:rPr/>
-              <a:t>Content)</a:t>
+              <a:t>Slide 5 (Two Content)</a:t>
             </a:r>
           </a:p>
         </p:txBody>
@@ -6262,39 +6126,7 @@
             </a:pPr>
             <a:r>
               <a:rPr/>
-              <a:t>Slide</a:t>
-            </a:r>
-            <a:r>
-              <a:rPr/>
-              <a:t> </a:t>
-            </a:r>
-            <a:r>
-              <a:rPr/>
-              <a:t>6</a:t>
-            </a:r>
-            <a:r>
-              <a:rPr/>
-              <a:t> </a:t>
-            </a:r>
-            <a:r>
-              <a:rPr/>
-              <a:t>(Two</a:t>
-            </a:r>
-            <a:r>
-              <a:rPr/>
-              <a:t> </a:t>
-            </a:r>
-            <a:r>
-              <a:rPr/>
-              <a:t>Content</a:t>
-            </a:r>
-            <a:r>
-              <a:rPr/>
-              <a:t> </a:t>
-            </a:r>
-            <a:r>
-              <a:rPr/>
-              <a:t>Right)</a:t>
+              <a:t>Slide 6 (Two Content Right)</a:t>
             </a:r>
           </a:p>
         </p:txBody>
@@ -6354,15 +6186,7 @@
             </a:pPr>
             <a:r>
               <a:rPr/>
-              <a:t>an</a:t>
-            </a:r>
-            <a:r>
-              <a:rPr/>
-              <a:t> </a:t>
-            </a:r>
-            <a:r>
-              <a:rPr/>
-              <a:t>image</a:t>
+              <a:t>an image</a:t>
             </a:r>
           </a:p>
         </p:txBody>
@@ -6631,39 +6455,7 @@
             </a:pPr>
             <a:r>
               <a:rPr/>
-              <a:t>Slide</a:t>
-            </a:r>
-            <a:r>
-              <a:rPr/>
-              <a:t> </a:t>
-            </a:r>
-            <a:r>
-              <a:rPr/>
-              <a:t>7</a:t>
-            </a:r>
-            <a:r>
-              <a:rPr/>
-              <a:t> </a:t>
-            </a:r>
-            <a:r>
-              <a:rPr/>
-              <a:t>(Content</a:t>
-            </a:r>
-            <a:r>
-              <a:rPr/>
-              <a:t> </a:t>
-            </a:r>
-            <a:r>
-              <a:rPr/>
-              <a:t>with</a:t>
-            </a:r>
-            <a:r>
-              <a:rPr/>
-              <a:t> </a:t>
-            </a:r>
-            <a:r>
-              <a:rPr/>
-              <a:t>Caption)</a:t>
+              <a:t>Slide 7 (Content with Caption)</a:t>
             </a:r>
           </a:p>
         </p:txBody>
@@ -6778,15 +6570,7 @@
             </a:pPr>
             <a:r>
               <a:rPr/>
-              <a:t>An</a:t>
-            </a:r>
-            <a:r>
-              <a:rPr/>
-              <a:t> </a:t>
-            </a:r>
-            <a:r>
-              <a:rPr/>
-              <a:t>image</a:t>
+              <a:t>An image</a:t>
             </a:r>
           </a:p>
         </p:txBody>
@@ -7013,23 +6797,7 @@
             </a:pPr>
             <a:r>
               <a:rPr/>
-              <a:t>Slide</a:t>
-            </a:r>
-            <a:r>
-              <a:rPr/>
-              <a:t> </a:t>
-            </a:r>
-            <a:r>
-              <a:rPr/>
-              <a:t>8</a:t>
-            </a:r>
-            <a:r>
-              <a:rPr/>
-              <a:t> </a:t>
-            </a:r>
-            <a:r>
-              <a:rPr/>
-              <a:t>(Comparison)</a:t>
+              <a:t>Slide 8 (Comparison)</a:t>
             </a:r>
           </a:p>
         </p:txBody>
@@ -7126,15 +6894,7 @@
             </a:pPr>
             <a:r>
               <a:rPr/>
-              <a:t>An</a:t>
-            </a:r>
-            <a:r>
-              <a:rPr/>
-              <a:t> </a:t>
-            </a:r>
-            <a:r>
-              <a:rPr/>
-              <a:t>image</a:t>
+              <a:t>An image</a:t>
             </a:r>
           </a:p>
         </p:txBody>
@@ -7614,23 +7374,7 @@
             </a:pPr>
             <a:r>
               <a:rPr/>
-              <a:t>Slide</a:t>
-            </a:r>
-            <a:r>
-              <a:rPr/>
-              <a:t> </a:t>
-            </a:r>
-            <a:r>
-              <a:rPr/>
-              <a:t>9</a:t>
-            </a:r>
-            <a:r>
-              <a:rPr/>
-              <a:t> </a:t>
-            </a:r>
-            <a:r>
-              <a:rPr/>
-              <a:t>(Content)</a:t>
+              <a:t>Slide 9 (Content)</a:t>
             </a:r>
           </a:p>
         </p:txBody>

--- a/test/pptx/incremental-lists/with-flag/deleted-layouts.pptx
+++ b/test/pptx/incremental-lists/with-flag/deleted-layouts.pptx
@@ -3343,19 +3343,11 @@
             </a:pPr>
             <a:r>
               <a:rPr/>
-              <a:t>Slide</a:t>
-            </a:r>
-            <a:r>
-              <a:rPr/>
-              <a:t> </a:t>
-            </a:r>
-            <a:r>
-              <a:rPr/>
-              <a:t>1</a:t>
-            </a:r>
-            <a:r>
-              <a:rPr/>
-              <a:t> </a:t>
+              <a:t>Slide </a:t>
+            </a:r>
+            <a:r>
+              <a:rPr/>
+              <a:t>1 </a:t>
             </a:r>
             <a:r>
               <a:rPr/>
@@ -3735,19 +3727,11 @@
             </a:pPr>
             <a:r>
               <a:rPr/>
-              <a:t>Slide</a:t>
-            </a:r>
-            <a:r>
-              <a:rPr/>
-              <a:t> </a:t>
-            </a:r>
-            <a:r>
-              <a:rPr/>
-              <a:t>10</a:t>
-            </a:r>
-            <a:r>
-              <a:rPr/>
-              <a:t> </a:t>
+              <a:t>Slide </a:t>
+            </a:r>
+            <a:r>
+              <a:rPr/>
+              <a:t>10 </a:t>
             </a:r>
             <a:r>
               <a:rPr/>
@@ -4071,19 +4055,11 @@
             </a:pPr>
             <a:r>
               <a:rPr/>
-              <a:t>Slide</a:t>
-            </a:r>
-            <a:r>
-              <a:rPr/>
-              <a:t> </a:t>
-            </a:r>
-            <a:r>
-              <a:rPr/>
-              <a:t>11</a:t>
-            </a:r>
-            <a:r>
-              <a:rPr/>
-              <a:t> </a:t>
+              <a:t>Slide </a:t>
+            </a:r>
+            <a:r>
+              <a:rPr/>
+              <a:t>11 </a:t>
             </a:r>
             <a:r>
               <a:rPr/>
@@ -4420,19 +4396,11 @@
             </a:pPr>
             <a:r>
               <a:rPr/>
-              <a:t>Slide</a:t>
-            </a:r>
-            <a:r>
-              <a:rPr/>
-              <a:t> </a:t>
-            </a:r>
-            <a:r>
-              <a:rPr/>
-              <a:t>12</a:t>
-            </a:r>
-            <a:r>
-              <a:rPr/>
-              <a:t> </a:t>
+              <a:t>Slide </a:t>
+            </a:r>
+            <a:r>
+              <a:rPr/>
+              <a:t>12 </a:t>
             </a:r>
             <a:r>
               <a:rPr/>
@@ -4721,19 +4689,11 @@
             </a:pPr>
             <a:r>
               <a:rPr/>
-              <a:t>Slide</a:t>
-            </a:r>
-            <a:r>
-              <a:rPr/>
-              <a:t> </a:t>
-            </a:r>
-            <a:r>
-              <a:rPr/>
-              <a:t>2</a:t>
-            </a:r>
-            <a:r>
-              <a:rPr/>
-              <a:t> </a:t>
+              <a:t>Slide </a:t>
+            </a:r>
+            <a:r>
+              <a:rPr/>
+              <a:t>2 </a:t>
             </a:r>
             <a:r>
               <a:rPr/>
@@ -5001,19 +4961,11 @@
             </a:pPr>
             <a:r>
               <a:rPr/>
-              <a:t>Slide</a:t>
-            </a:r>
-            <a:r>
-              <a:rPr/>
-              <a:t> </a:t>
-            </a:r>
-            <a:r>
-              <a:rPr/>
-              <a:t>3</a:t>
-            </a:r>
-            <a:r>
-              <a:rPr/>
-              <a:t> </a:t>
+              <a:t>Slide </a:t>
+            </a:r>
+            <a:r>
+              <a:rPr/>
+              <a:t>3 </a:t>
             </a:r>
             <a:r>
               <a:rPr/>
@@ -5290,19 +5242,11 @@
             </a:pPr>
             <a:r>
               <a:rPr/>
-              <a:t>Slide</a:t>
-            </a:r>
-            <a:r>
-              <a:rPr/>
-              <a:t> </a:t>
-            </a:r>
-            <a:r>
-              <a:rPr/>
-              <a:t>4</a:t>
-            </a:r>
-            <a:r>
-              <a:rPr/>
-              <a:t> </a:t>
+              <a:t>Slide </a:t>
+            </a:r>
+            <a:r>
+              <a:rPr/>
+              <a:t>4 </a:t>
             </a:r>
             <a:r>
               <a:rPr/>
@@ -5753,27 +5697,15 @@
             </a:pPr>
             <a:r>
               <a:rPr/>
-              <a:t>Slide</a:t>
-            </a:r>
-            <a:r>
-              <a:rPr/>
-              <a:t> </a:t>
-            </a:r>
-            <a:r>
-              <a:rPr/>
-              <a:t>5</a:t>
-            </a:r>
-            <a:r>
-              <a:rPr/>
-              <a:t> </a:t>
-            </a:r>
-            <a:r>
-              <a:rPr/>
-              <a:t>(Two</a:t>
-            </a:r>
-            <a:r>
-              <a:rPr/>
-              <a:t> </a:t>
+              <a:t>Slide </a:t>
+            </a:r>
+            <a:r>
+              <a:rPr/>
+              <a:t>5 </a:t>
+            </a:r>
+            <a:r>
+              <a:rPr/>
+              <a:t>(Two </a:t>
             </a:r>
             <a:r>
               <a:rPr/>
@@ -6262,35 +6194,19 @@
             </a:pPr>
             <a:r>
               <a:rPr/>
-              <a:t>Slide</a:t>
-            </a:r>
-            <a:r>
-              <a:rPr/>
-              <a:t> </a:t>
-            </a:r>
-            <a:r>
-              <a:rPr/>
-              <a:t>6</a:t>
-            </a:r>
-            <a:r>
-              <a:rPr/>
-              <a:t> </a:t>
-            </a:r>
-            <a:r>
-              <a:rPr/>
-              <a:t>(Two</a:t>
-            </a:r>
-            <a:r>
-              <a:rPr/>
-              <a:t> </a:t>
-            </a:r>
-            <a:r>
-              <a:rPr/>
-              <a:t>Content</a:t>
-            </a:r>
-            <a:r>
-              <a:rPr/>
-              <a:t> </a:t>
+              <a:t>Slide </a:t>
+            </a:r>
+            <a:r>
+              <a:rPr/>
+              <a:t>6 </a:t>
+            </a:r>
+            <a:r>
+              <a:rPr/>
+              <a:t>(Two </a:t>
+            </a:r>
+            <a:r>
+              <a:rPr/>
+              <a:t>Content </a:t>
             </a:r>
             <a:r>
               <a:rPr/>
@@ -6354,11 +6270,7 @@
             </a:pPr>
             <a:r>
               <a:rPr/>
-              <a:t>an</a:t>
-            </a:r>
-            <a:r>
-              <a:rPr/>
-              <a:t> </a:t>
+              <a:t>an </a:t>
             </a:r>
             <a:r>
               <a:rPr/>
@@ -6631,35 +6543,19 @@
             </a:pPr>
             <a:r>
               <a:rPr/>
-              <a:t>Slide</a:t>
-            </a:r>
-            <a:r>
-              <a:rPr/>
-              <a:t> </a:t>
-            </a:r>
-            <a:r>
-              <a:rPr/>
-              <a:t>7</a:t>
-            </a:r>
-            <a:r>
-              <a:rPr/>
-              <a:t> </a:t>
-            </a:r>
-            <a:r>
-              <a:rPr/>
-              <a:t>(Content</a:t>
-            </a:r>
-            <a:r>
-              <a:rPr/>
-              <a:t> </a:t>
-            </a:r>
-            <a:r>
-              <a:rPr/>
-              <a:t>with</a:t>
-            </a:r>
-            <a:r>
-              <a:rPr/>
-              <a:t> </a:t>
+              <a:t>Slide </a:t>
+            </a:r>
+            <a:r>
+              <a:rPr/>
+              <a:t>7 </a:t>
+            </a:r>
+            <a:r>
+              <a:rPr/>
+              <a:t>(Content </a:t>
+            </a:r>
+            <a:r>
+              <a:rPr/>
+              <a:t>with </a:t>
             </a:r>
             <a:r>
               <a:rPr/>
@@ -6778,11 +6674,7 @@
             </a:pPr>
             <a:r>
               <a:rPr/>
-              <a:t>An</a:t>
-            </a:r>
-            <a:r>
-              <a:rPr/>
-              <a:t> </a:t>
+              <a:t>An </a:t>
             </a:r>
             <a:r>
               <a:rPr/>
@@ -7013,19 +6905,11 @@
             </a:pPr>
             <a:r>
               <a:rPr/>
-              <a:t>Slide</a:t>
-            </a:r>
-            <a:r>
-              <a:rPr/>
-              <a:t> </a:t>
-            </a:r>
-            <a:r>
-              <a:rPr/>
-              <a:t>8</a:t>
-            </a:r>
-            <a:r>
-              <a:rPr/>
-              <a:t> </a:t>
+              <a:t>Slide </a:t>
+            </a:r>
+            <a:r>
+              <a:rPr/>
+              <a:t>8 </a:t>
             </a:r>
             <a:r>
               <a:rPr/>
@@ -7126,11 +7010,7 @@
             </a:pPr>
             <a:r>
               <a:rPr/>
-              <a:t>An</a:t>
-            </a:r>
-            <a:r>
-              <a:rPr/>
-              <a:t> </a:t>
+              <a:t>An </a:t>
             </a:r>
             <a:r>
               <a:rPr/>
@@ -7614,19 +7494,11 @@
             </a:pPr>
             <a:r>
               <a:rPr/>
-              <a:t>Slide</a:t>
-            </a:r>
-            <a:r>
-              <a:rPr/>
-              <a:t> </a:t>
-            </a:r>
-            <a:r>
-              <a:rPr/>
-              <a:t>9</a:t>
-            </a:r>
-            <a:r>
-              <a:rPr/>
-              <a:t> </a:t>
+              <a:t>Slide </a:t>
+            </a:r>
+            <a:r>
+              <a:rPr/>
+              <a:t>9 </a:t>
             </a:r>
             <a:r>
               <a:rPr/>

--- a/test/pptx/incremental-lists/with-flag/deleted-layouts.pptx
+++ b/test/pptx/incremental-lists/with-flag/deleted-layouts.pptx
@@ -3343,11 +3343,19 @@
             </a:pPr>
             <a:r>
               <a:rPr/>
-              <a:t>Slide </a:t>
-            </a:r>
-            <a:r>
-              <a:rPr/>
-              <a:t>1 </a:t>
+              <a:t>Slide</a:t>
+            </a:r>
+            <a:r>
+              <a:rPr/>
+              <a:t> </a:t>
+            </a:r>
+            <a:r>
+              <a:rPr/>
+              <a:t>1</a:t>
+            </a:r>
+            <a:r>
+              <a:rPr/>
+              <a:t> </a:t>
             </a:r>
             <a:r>
               <a:rPr/>
@@ -3727,11 +3735,19 @@
             </a:pPr>
             <a:r>
               <a:rPr/>
-              <a:t>Slide </a:t>
-            </a:r>
-            <a:r>
-              <a:rPr/>
-              <a:t>10 </a:t>
+              <a:t>Slide</a:t>
+            </a:r>
+            <a:r>
+              <a:rPr/>
+              <a:t> </a:t>
+            </a:r>
+            <a:r>
+              <a:rPr/>
+              <a:t>10</a:t>
+            </a:r>
+            <a:r>
+              <a:rPr/>
+              <a:t> </a:t>
             </a:r>
             <a:r>
               <a:rPr/>
@@ -4055,11 +4071,19 @@
             </a:pPr>
             <a:r>
               <a:rPr/>
-              <a:t>Slide </a:t>
-            </a:r>
-            <a:r>
-              <a:rPr/>
-              <a:t>11 </a:t>
+              <a:t>Slide</a:t>
+            </a:r>
+            <a:r>
+              <a:rPr/>
+              <a:t> </a:t>
+            </a:r>
+            <a:r>
+              <a:rPr/>
+              <a:t>11</a:t>
+            </a:r>
+            <a:r>
+              <a:rPr/>
+              <a:t> </a:t>
             </a:r>
             <a:r>
               <a:rPr/>
@@ -4396,11 +4420,19 @@
             </a:pPr>
             <a:r>
               <a:rPr/>
-              <a:t>Slide </a:t>
-            </a:r>
-            <a:r>
-              <a:rPr/>
-              <a:t>12 </a:t>
+              <a:t>Slide</a:t>
+            </a:r>
+            <a:r>
+              <a:rPr/>
+              <a:t> </a:t>
+            </a:r>
+            <a:r>
+              <a:rPr/>
+              <a:t>12</a:t>
+            </a:r>
+            <a:r>
+              <a:rPr/>
+              <a:t> </a:t>
             </a:r>
             <a:r>
               <a:rPr/>
@@ -4689,11 +4721,19 @@
             </a:pPr>
             <a:r>
               <a:rPr/>
-              <a:t>Slide </a:t>
-            </a:r>
-            <a:r>
-              <a:rPr/>
-              <a:t>2 </a:t>
+              <a:t>Slide</a:t>
+            </a:r>
+            <a:r>
+              <a:rPr/>
+              <a:t> </a:t>
+            </a:r>
+            <a:r>
+              <a:rPr/>
+              <a:t>2</a:t>
+            </a:r>
+            <a:r>
+              <a:rPr/>
+              <a:t> </a:t>
             </a:r>
             <a:r>
               <a:rPr/>
@@ -4961,11 +5001,19 @@
             </a:pPr>
             <a:r>
               <a:rPr/>
-              <a:t>Slide </a:t>
-            </a:r>
-            <a:r>
-              <a:rPr/>
-              <a:t>3 </a:t>
+              <a:t>Slide</a:t>
+            </a:r>
+            <a:r>
+              <a:rPr/>
+              <a:t> </a:t>
+            </a:r>
+            <a:r>
+              <a:rPr/>
+              <a:t>3</a:t>
+            </a:r>
+            <a:r>
+              <a:rPr/>
+              <a:t> </a:t>
             </a:r>
             <a:r>
               <a:rPr/>
@@ -5242,11 +5290,19 @@
             </a:pPr>
             <a:r>
               <a:rPr/>
-              <a:t>Slide </a:t>
-            </a:r>
-            <a:r>
-              <a:rPr/>
-              <a:t>4 </a:t>
+              <a:t>Slide</a:t>
+            </a:r>
+            <a:r>
+              <a:rPr/>
+              <a:t> </a:t>
+            </a:r>
+            <a:r>
+              <a:rPr/>
+              <a:t>4</a:t>
+            </a:r>
+            <a:r>
+              <a:rPr/>
+              <a:t> </a:t>
             </a:r>
             <a:r>
               <a:rPr/>
@@ -5697,15 +5753,27 @@
             </a:pPr>
             <a:r>
               <a:rPr/>
-              <a:t>Slide </a:t>
-            </a:r>
-            <a:r>
-              <a:rPr/>
-              <a:t>5 </a:t>
-            </a:r>
-            <a:r>
-              <a:rPr/>
-              <a:t>(Two </a:t>
+              <a:t>Slide</a:t>
+            </a:r>
+            <a:r>
+              <a:rPr/>
+              <a:t> </a:t>
+            </a:r>
+            <a:r>
+              <a:rPr/>
+              <a:t>5</a:t>
+            </a:r>
+            <a:r>
+              <a:rPr/>
+              <a:t> </a:t>
+            </a:r>
+            <a:r>
+              <a:rPr/>
+              <a:t>(Two</a:t>
+            </a:r>
+            <a:r>
+              <a:rPr/>
+              <a:t> </a:t>
             </a:r>
             <a:r>
               <a:rPr/>
@@ -6194,19 +6262,35 @@
             </a:pPr>
             <a:r>
               <a:rPr/>
-              <a:t>Slide </a:t>
-            </a:r>
-            <a:r>
-              <a:rPr/>
-              <a:t>6 </a:t>
-            </a:r>
-            <a:r>
-              <a:rPr/>
-              <a:t>(Two </a:t>
-            </a:r>
-            <a:r>
-              <a:rPr/>
-              <a:t>Content </a:t>
+              <a:t>Slide</a:t>
+            </a:r>
+            <a:r>
+              <a:rPr/>
+              <a:t> </a:t>
+            </a:r>
+            <a:r>
+              <a:rPr/>
+              <a:t>6</a:t>
+            </a:r>
+            <a:r>
+              <a:rPr/>
+              <a:t> </a:t>
+            </a:r>
+            <a:r>
+              <a:rPr/>
+              <a:t>(Two</a:t>
+            </a:r>
+            <a:r>
+              <a:rPr/>
+              <a:t> </a:t>
+            </a:r>
+            <a:r>
+              <a:rPr/>
+              <a:t>Content</a:t>
+            </a:r>
+            <a:r>
+              <a:rPr/>
+              <a:t> </a:t>
             </a:r>
             <a:r>
               <a:rPr/>
@@ -6270,7 +6354,11 @@
             </a:pPr>
             <a:r>
               <a:rPr/>
-              <a:t>an </a:t>
+              <a:t>an</a:t>
+            </a:r>
+            <a:r>
+              <a:rPr/>
+              <a:t> </a:t>
             </a:r>
             <a:r>
               <a:rPr/>
@@ -6543,19 +6631,35 @@
             </a:pPr>
             <a:r>
               <a:rPr/>
-              <a:t>Slide </a:t>
-            </a:r>
-            <a:r>
-              <a:rPr/>
-              <a:t>7 </a:t>
-            </a:r>
-            <a:r>
-              <a:rPr/>
-              <a:t>(Content </a:t>
-            </a:r>
-            <a:r>
-              <a:rPr/>
-              <a:t>with </a:t>
+              <a:t>Slide</a:t>
+            </a:r>
+            <a:r>
+              <a:rPr/>
+              <a:t> </a:t>
+            </a:r>
+            <a:r>
+              <a:rPr/>
+              <a:t>7</a:t>
+            </a:r>
+            <a:r>
+              <a:rPr/>
+              <a:t> </a:t>
+            </a:r>
+            <a:r>
+              <a:rPr/>
+              <a:t>(Content</a:t>
+            </a:r>
+            <a:r>
+              <a:rPr/>
+              <a:t> </a:t>
+            </a:r>
+            <a:r>
+              <a:rPr/>
+              <a:t>with</a:t>
+            </a:r>
+            <a:r>
+              <a:rPr/>
+              <a:t> </a:t>
             </a:r>
             <a:r>
               <a:rPr/>
@@ -6674,7 +6778,11 @@
             </a:pPr>
             <a:r>
               <a:rPr/>
-              <a:t>An </a:t>
+              <a:t>An</a:t>
+            </a:r>
+            <a:r>
+              <a:rPr/>
+              <a:t> </a:t>
             </a:r>
             <a:r>
               <a:rPr/>
@@ -6905,11 +7013,19 @@
             </a:pPr>
             <a:r>
               <a:rPr/>
-              <a:t>Slide </a:t>
-            </a:r>
-            <a:r>
-              <a:rPr/>
-              <a:t>8 </a:t>
+              <a:t>Slide</a:t>
+            </a:r>
+            <a:r>
+              <a:rPr/>
+              <a:t> </a:t>
+            </a:r>
+            <a:r>
+              <a:rPr/>
+              <a:t>8</a:t>
+            </a:r>
+            <a:r>
+              <a:rPr/>
+              <a:t> </a:t>
             </a:r>
             <a:r>
               <a:rPr/>
@@ -7010,7 +7126,11 @@
             </a:pPr>
             <a:r>
               <a:rPr/>
-              <a:t>An </a:t>
+              <a:t>An</a:t>
+            </a:r>
+            <a:r>
+              <a:rPr/>
+              <a:t> </a:t>
             </a:r>
             <a:r>
               <a:rPr/>
@@ -7494,11 +7614,19 @@
             </a:pPr>
             <a:r>
               <a:rPr/>
-              <a:t>Slide </a:t>
-            </a:r>
-            <a:r>
-              <a:rPr/>
-              <a:t>9 </a:t>
+              <a:t>Slide</a:t>
+            </a:r>
+            <a:r>
+              <a:rPr/>
+              <a:t> </a:t>
+            </a:r>
+            <a:r>
+              <a:rPr/>
+              <a:t>9</a:t>
+            </a:r>
+            <a:r>
+              <a:rPr/>
+              <a:t> </a:t>
             </a:r>
             <a:r>
               <a:rPr/>
